--- a/Mayaオペレーション１/第6回.pptx
+++ b/Mayaオペレーション１/第6回.pptx
@@ -5,17 +5,20 @@
     <p:sldMasterId id="2147484189" r:id="rId1"/>
   </p:sldMasterIdLst>
   <p:notesMasterIdLst>
-    <p:notesMasterId r:id="rId10"/>
+    <p:notesMasterId r:id="rId13"/>
   </p:notesMasterIdLst>
   <p:sldIdLst>
     <p:sldId id="256" r:id="rId2"/>
     <p:sldId id="257" r:id="rId3"/>
-    <p:sldId id="258" r:id="rId4"/>
-    <p:sldId id="259" r:id="rId5"/>
-    <p:sldId id="260" r:id="rId6"/>
-    <p:sldId id="262" r:id="rId7"/>
-    <p:sldId id="261" r:id="rId8"/>
-    <p:sldId id="263" r:id="rId9"/>
+    <p:sldId id="259" r:id="rId4"/>
+    <p:sldId id="260" r:id="rId5"/>
+    <p:sldId id="261" r:id="rId6"/>
+    <p:sldId id="258" r:id="rId7"/>
+    <p:sldId id="262" r:id="rId8"/>
+    <p:sldId id="265" r:id="rId9"/>
+    <p:sldId id="263" r:id="rId10"/>
+    <p:sldId id="264" r:id="rId11"/>
+    <p:sldId id="266" r:id="rId12"/>
   </p:sldIdLst>
   <p:sldSz cx="12192000" cy="6858000"/>
   <p:notesSz cx="6858000" cy="9144000"/>
@@ -204,7 +207,7 @@
           <a:p>
             <a:fld id="{7FAFC1C1-A0B3-4216-9829-7D250BC027E5}" type="datetimeFigureOut">
               <a:rPr kumimoji="1" lang="ja-JP" altLang="en-US" smtClean="0"/>
-              <a:t>2021/5/10</a:t>
+              <a:t>2021/6/3</a:t>
             </a:fld>
             <a:endParaRPr kumimoji="1" lang="ja-JP" altLang="en-US"/>
           </a:p>
@@ -472,6 +475,90 @@
 </p:notesMaster>
 </file>
 
+<file path=ppt/notesSlides/notesSlide1.xml><?xml version="1.0" encoding="utf-8"?>
+<p:notes xmlns:a="http://schemas.openxmlformats.org/drawingml/2006/main" xmlns:r="http://schemas.openxmlformats.org/officeDocument/2006/relationships" xmlns:p="http://schemas.openxmlformats.org/presentationml/2006/main">
+  <p:cSld>
+    <p:spTree>
+      <p:nvGrpSpPr>
+        <p:cNvPr id="1" name=""/>
+        <p:cNvGrpSpPr/>
+        <p:nvPr/>
+      </p:nvGrpSpPr>
+      <p:grpSpPr>
+        <a:xfrm>
+          <a:off x="0" y="0"/>
+          <a:ext cx="0" cy="0"/>
+          <a:chOff x="0" y="0"/>
+          <a:chExt cx="0" cy="0"/>
+        </a:xfrm>
+      </p:grpSpPr>
+      <p:sp>
+        <p:nvSpPr>
+          <p:cNvPr id="2" name="Slide Image Placeholder 1"/>
+          <p:cNvSpPr>
+            <a:spLocks noGrp="1" noRot="1" noChangeAspect="1"/>
+          </p:cNvSpPr>
+          <p:nvPr>
+            <p:ph type="sldImg"/>
+          </p:nvPr>
+        </p:nvSpPr>
+        <p:spPr/>
+      </p:sp>
+      <p:sp>
+        <p:nvSpPr>
+          <p:cNvPr id="3" name="Notes Placeholder 2"/>
+          <p:cNvSpPr>
+            <a:spLocks noGrp="1"/>
+          </p:cNvSpPr>
+          <p:nvPr>
+            <p:ph type="body" idx="1"/>
+          </p:nvPr>
+        </p:nvSpPr>
+        <p:spPr/>
+        <p:txBody>
+          <a:bodyPr/>
+          <a:lstStyle/>
+          <a:p>
+            <a:endParaRPr kumimoji="1" lang="ja-JP" altLang="en-US"/>
+          </a:p>
+        </p:txBody>
+      </p:sp>
+      <p:sp>
+        <p:nvSpPr>
+          <p:cNvPr id="4" name="Slide Number Placeholder 3"/>
+          <p:cNvSpPr>
+            <a:spLocks noGrp="1"/>
+          </p:cNvSpPr>
+          <p:nvPr>
+            <p:ph type="sldNum" sz="quarter" idx="5"/>
+          </p:nvPr>
+        </p:nvSpPr>
+        <p:spPr/>
+        <p:txBody>
+          <a:bodyPr/>
+          <a:lstStyle/>
+          <a:p>
+            <a:fld id="{E73219F5-B701-4879-A416-1569235C1EC6}" type="slidenum">
+              <a:rPr kumimoji="1" lang="ja-JP" altLang="en-US" smtClean="0"/>
+              <a:t>11</a:t>
+            </a:fld>
+            <a:endParaRPr kumimoji="1" lang="ja-JP" altLang="en-US"/>
+          </a:p>
+        </p:txBody>
+      </p:sp>
+    </p:spTree>
+    <p:extLst>
+      <p:ext uri="{BB962C8B-B14F-4D97-AF65-F5344CB8AC3E}">
+        <p14:creationId xmlns:p14="http://schemas.microsoft.com/office/powerpoint/2010/main" val="2269766048"/>
+      </p:ext>
+    </p:extLst>
+  </p:cSld>
+  <p:clrMapOvr>
+    <a:masterClrMapping/>
+  </p:clrMapOvr>
+</p:notes>
+</file>
+
 <file path=ppt/slideLayouts/slideLayout1.xml><?xml version="1.0" encoding="utf-8"?>
 <p:sldLayout xmlns:a="http://schemas.openxmlformats.org/drawingml/2006/main" xmlns:r="http://schemas.openxmlformats.org/officeDocument/2006/relationships" xmlns:p="http://schemas.openxmlformats.org/presentationml/2006/main" type="title" preserve="1">
   <p:cSld name="Title Slide">
@@ -660,7 +747,7 @@
           <a:p>
             <a:fld id="{BA2191CA-785D-4A9C-921B-6CA3F0E6172B}" type="datetime1">
               <a:rPr kumimoji="1" lang="ja-JP" altLang="en-US" smtClean="0"/>
-              <a:t>2021/5/10</a:t>
+              <a:t>2021/6/3</a:t>
             </a:fld>
             <a:endParaRPr kumimoji="1" lang="ja-JP" altLang="en-US"/>
           </a:p>
@@ -1002,7 +1089,7 @@
           <a:p>
             <a:fld id="{16F4E71C-D7D2-480F-9B30-40BC697DC4A9}" type="datetime1">
               <a:rPr kumimoji="1" lang="ja-JP" altLang="en-US" smtClean="0"/>
-              <a:t>2021/5/10</a:t>
+              <a:t>2021/6/3</a:t>
             </a:fld>
             <a:endParaRPr kumimoji="1" lang="ja-JP" altLang="en-US"/>
           </a:p>
@@ -1407,7 +1494,7 @@
           <a:p>
             <a:fld id="{CC94CA87-F7F2-446F-B9AD-516826A6867E}" type="datetime1">
               <a:rPr kumimoji="1" lang="ja-JP" altLang="en-US" smtClean="0"/>
-              <a:t>2021/5/10</a:t>
+              <a:t>2021/6/3</a:t>
             </a:fld>
             <a:endParaRPr kumimoji="1" lang="ja-JP" altLang="en-US"/>
           </a:p>
@@ -1747,7 +1834,7 @@
           <a:p>
             <a:fld id="{B805F407-5233-4E4A-9FC8-C1DD661D029D}" type="datetime1">
               <a:rPr kumimoji="1" lang="ja-JP" altLang="en-US" smtClean="0"/>
-              <a:t>2021/5/10</a:t>
+              <a:t>2021/6/3</a:t>
             </a:fld>
             <a:endParaRPr kumimoji="1" lang="ja-JP" altLang="en-US"/>
           </a:p>
@@ -2071,7 +2158,7 @@
           <a:p>
             <a:fld id="{81197DDA-D502-4B72-AD98-74EE1A9E0356}" type="datetime1">
               <a:rPr kumimoji="1" lang="ja-JP" altLang="en-US" smtClean="0"/>
-              <a:t>2021/5/10</a:t>
+              <a:t>2021/6/3</a:t>
             </a:fld>
             <a:endParaRPr kumimoji="1" lang="ja-JP" altLang="en-US"/>
           </a:p>
@@ -2471,7 +2558,7 @@
           <a:p>
             <a:fld id="{1A18EB64-ED09-4BD4-A1A2-C4345B97E0F7}" type="datetime1">
               <a:rPr kumimoji="1" lang="ja-JP" altLang="en-US" smtClean="0"/>
-              <a:t>2021/5/10</a:t>
+              <a:t>2021/6/3</a:t>
             </a:fld>
             <a:endParaRPr kumimoji="1" lang="ja-JP" altLang="en-US"/>
           </a:p>
@@ -2732,7 +2819,7 @@
           <a:p>
             <a:fld id="{D9CBC189-59A1-45FD-9BD6-0D382FC44DCD}" type="datetime1">
               <a:rPr kumimoji="1" lang="ja-JP" altLang="en-US" smtClean="0"/>
-              <a:t>2021/5/10</a:t>
+              <a:t>2021/6/3</a:t>
             </a:fld>
             <a:endParaRPr kumimoji="1" lang="ja-JP" altLang="en-US"/>
           </a:p>
@@ -2998,7 +3085,7 @@
           <a:p>
             <a:fld id="{EAAE0FC6-5E33-4590-B304-AB6B33D5F91B}" type="datetime1">
               <a:rPr kumimoji="1" lang="ja-JP" altLang="en-US" smtClean="0"/>
-              <a:t>2021/5/10</a:t>
+              <a:t>2021/6/3</a:t>
             </a:fld>
             <a:endParaRPr kumimoji="1" lang="ja-JP" altLang="en-US"/>
           </a:p>
@@ -3269,7 +3356,7 @@
           <a:p>
             <a:fld id="{80B17454-9F37-4532-850D-741FD85C2D65}" type="datetime1">
               <a:rPr kumimoji="1" lang="ja-JP" altLang="en-US" smtClean="0"/>
-              <a:t>2021/5/10</a:t>
+              <a:t>2021/6/3</a:t>
             </a:fld>
             <a:endParaRPr kumimoji="1" lang="ja-JP" altLang="en-US"/>
           </a:p>
@@ -3607,7 +3694,7 @@
           <a:p>
             <a:fld id="{BE9CF3C6-8DC7-426C-A070-E71FFD493D05}" type="datetime1">
               <a:rPr kumimoji="1" lang="ja-JP" altLang="en-US" smtClean="0"/>
-              <a:t>2021/5/10</a:t>
+              <a:t>2021/6/3</a:t>
             </a:fld>
             <a:endParaRPr kumimoji="1" lang="ja-JP" altLang="en-US"/>
           </a:p>
@@ -3934,7 +4021,7 @@
           <a:p>
             <a:fld id="{FFE1D99F-AFDF-420B-BBD6-5812F45BB212}" type="datetime1">
               <a:rPr kumimoji="1" lang="ja-JP" altLang="en-US" smtClean="0"/>
-              <a:t>2021/5/10</a:t>
+              <a:t>2021/6/3</a:t>
             </a:fld>
             <a:endParaRPr kumimoji="1" lang="ja-JP" altLang="en-US"/>
           </a:p>
@@ -4395,7 +4482,7 @@
           <a:p>
             <a:fld id="{FAF812C6-3EF0-44F2-968E-F2AC1A87A33E}" type="datetime1">
               <a:rPr kumimoji="1" lang="ja-JP" altLang="en-US" smtClean="0"/>
-              <a:t>2021/5/10</a:t>
+              <a:t>2021/6/3</a:t>
             </a:fld>
             <a:endParaRPr kumimoji="1" lang="ja-JP" altLang="en-US"/>
           </a:p>
@@ -4604,7 +4691,7 @@
           <a:p>
             <a:fld id="{D64F74CC-D8B7-4755-AA87-DE037D8949EE}" type="datetime1">
               <a:rPr kumimoji="1" lang="ja-JP" altLang="en-US" smtClean="0"/>
-              <a:t>2021/5/10</a:t>
+              <a:t>2021/6/3</a:t>
             </a:fld>
             <a:endParaRPr kumimoji="1" lang="ja-JP" altLang="en-US"/>
           </a:p>
@@ -4785,7 +4872,7 @@
           <a:p>
             <a:fld id="{D6BBDFD3-849E-4EF0-BA8A-5017149E0662}" type="datetime1">
               <a:rPr kumimoji="1" lang="ja-JP" altLang="en-US" smtClean="0"/>
-              <a:t>2021/5/10</a:t>
+              <a:t>2021/6/3</a:t>
             </a:fld>
             <a:endParaRPr kumimoji="1" lang="ja-JP" altLang="en-US"/>
           </a:p>
@@ -5122,7 +5209,7 @@
           <a:p>
             <a:fld id="{2C04A2A2-DACF-4944-AE39-7790067E8F8E}" type="datetime1">
               <a:rPr kumimoji="1" lang="ja-JP" altLang="en-US" smtClean="0"/>
-              <a:t>2021/5/10</a:t>
+              <a:t>2021/6/3</a:t>
             </a:fld>
             <a:endParaRPr kumimoji="1" lang="ja-JP" altLang="en-US"/>
           </a:p>
@@ -5471,7 +5558,7 @@
           <a:p>
             <a:fld id="{855C5394-9C5D-4FFC-B041-7ADACEA39970}" type="datetime1">
               <a:rPr kumimoji="1" lang="ja-JP" altLang="en-US" smtClean="0"/>
-              <a:t>2021/5/10</a:t>
+              <a:t>2021/6/3</a:t>
             </a:fld>
             <a:endParaRPr kumimoji="1" lang="ja-JP" altLang="en-US"/>
           </a:p>
@@ -7592,7 +7679,7 @@
           <a:p>
             <a:fld id="{008A24F6-EB6B-43B1-8140-640C2B1B7B32}" type="datetime1">
               <a:rPr kumimoji="1" lang="ja-JP" altLang="en-US" smtClean="0"/>
-              <a:t>2021/5/10</a:t>
+              <a:t>2021/6/3</a:t>
             </a:fld>
             <a:endParaRPr kumimoji="1" lang="ja-JP" altLang="en-US"/>
           </a:p>
@@ -8132,7 +8219,9 @@
         </p:nvSpPr>
         <p:spPr/>
         <p:txBody>
-          <a:bodyPr/>
+          <a:bodyPr>
+            <a:normAutofit fontScale="90000"/>
+          </a:bodyPr>
           <a:lstStyle/>
           <a:p>
             <a:r>
@@ -8144,7 +8233,7 @@
             </a:br>
             <a:r>
               <a:rPr kumimoji="1" lang="ja-JP" altLang="en-US" dirty="0"/>
-              <a:t>アニメーション基礎</a:t>
+              <a:t>アニメーション基礎、その他</a:t>
             </a:r>
           </a:p>
         </p:txBody>
@@ -8245,6 +8334,468 @@
     <p:extLst>
       <p:ext uri="{BB962C8B-B14F-4D97-AF65-F5344CB8AC3E}">
         <p14:creationId xmlns:p14="http://schemas.microsoft.com/office/powerpoint/2010/main" val="4202694768"/>
+      </p:ext>
+    </p:extLst>
+  </p:cSld>
+  <p:clrMapOvr>
+    <a:masterClrMapping/>
+  </p:clrMapOvr>
+</p:sld>
+</file>
+
+<file path=ppt/slides/slide10.xml><?xml version="1.0" encoding="utf-8"?>
+<p:sld xmlns:a="http://schemas.openxmlformats.org/drawingml/2006/main" xmlns:r="http://schemas.openxmlformats.org/officeDocument/2006/relationships" xmlns:p="http://schemas.openxmlformats.org/presentationml/2006/main">
+  <p:cSld>
+    <p:spTree>
+      <p:nvGrpSpPr>
+        <p:cNvPr id="1" name=""/>
+        <p:cNvGrpSpPr/>
+        <p:nvPr/>
+      </p:nvGrpSpPr>
+      <p:grpSpPr>
+        <a:xfrm>
+          <a:off x="0" y="0"/>
+          <a:ext cx="0" cy="0"/>
+          <a:chOff x="0" y="0"/>
+          <a:chExt cx="0" cy="0"/>
+        </a:xfrm>
+      </p:grpSpPr>
+      <p:sp>
+        <p:nvSpPr>
+          <p:cNvPr id="2" name="Title 1">
+            <a:extLst>
+              <a:ext uri="{FF2B5EF4-FFF2-40B4-BE49-F238E27FC236}">
+                <a16:creationId xmlns:a16="http://schemas.microsoft.com/office/drawing/2014/main" id="{5087B6B9-82E7-4029-96D9-6EBEC607E5DD}"/>
+              </a:ext>
+            </a:extLst>
+          </p:cNvPr>
+          <p:cNvSpPr>
+            <a:spLocks noGrp="1"/>
+          </p:cNvSpPr>
+          <p:nvPr>
+            <p:ph type="title"/>
+          </p:nvPr>
+        </p:nvSpPr>
+        <p:spPr/>
+        <p:txBody>
+          <a:bodyPr/>
+          <a:lstStyle/>
+          <a:p>
+            <a:r>
+              <a:rPr kumimoji="1" lang="ja-JP" altLang="en-US" dirty="0"/>
+              <a:t>エフェクト</a:t>
+            </a:r>
+          </a:p>
+        </p:txBody>
+      </p:sp>
+      <p:sp>
+        <p:nvSpPr>
+          <p:cNvPr id="3" name="Content Placeholder 2">
+            <a:extLst>
+              <a:ext uri="{FF2B5EF4-FFF2-40B4-BE49-F238E27FC236}">
+                <a16:creationId xmlns:a16="http://schemas.microsoft.com/office/drawing/2014/main" id="{693ABD27-49C0-4EA1-A80F-D8E0F5BF220A}"/>
+              </a:ext>
+            </a:extLst>
+          </p:cNvPr>
+          <p:cNvSpPr>
+            <a:spLocks noGrp="1"/>
+          </p:cNvSpPr>
+          <p:nvPr>
+            <p:ph idx="1"/>
+          </p:nvPr>
+        </p:nvSpPr>
+        <p:spPr/>
+        <p:txBody>
+          <a:bodyPr/>
+          <a:lstStyle/>
+          <a:p>
+            <a:r>
+              <a:rPr kumimoji="1" lang="en-US" altLang="ja-JP" dirty="0"/>
+              <a:t>Unity</a:t>
+            </a:r>
+            <a:r>
+              <a:rPr kumimoji="1" lang="ja-JP" altLang="en-US" dirty="0"/>
+              <a:t>で触ってみる</a:t>
+            </a:r>
+            <a:endParaRPr kumimoji="1" lang="en-US" altLang="ja-JP" dirty="0"/>
+          </a:p>
+          <a:p>
+            <a:r>
+              <a:rPr lang="ja-JP" altLang="en-US" dirty="0"/>
+              <a:t>パーティクルシステム</a:t>
+            </a:r>
+            <a:endParaRPr lang="en-US" altLang="ja-JP" dirty="0"/>
+          </a:p>
+          <a:p>
+            <a:r>
+              <a:rPr kumimoji="1" lang="en-US" altLang="ja-JP" dirty="0"/>
+              <a:t>Effect</a:t>
+            </a:r>
+            <a:r>
+              <a:rPr kumimoji="1" lang="ja-JP" altLang="en-US" dirty="0"/>
+              <a:t>＞</a:t>
+            </a:r>
+            <a:r>
+              <a:rPr kumimoji="1" lang="en-US" altLang="ja-JP" dirty="0" err="1"/>
+              <a:t>ParticleSystem</a:t>
+            </a:r>
+            <a:endParaRPr kumimoji="1" lang="ja-JP" altLang="en-US" dirty="0"/>
+          </a:p>
+        </p:txBody>
+      </p:sp>
+      <p:sp>
+        <p:nvSpPr>
+          <p:cNvPr id="4" name="Footer Placeholder 3">
+            <a:extLst>
+              <a:ext uri="{FF2B5EF4-FFF2-40B4-BE49-F238E27FC236}">
+                <a16:creationId xmlns:a16="http://schemas.microsoft.com/office/drawing/2014/main" id="{530E77A2-6AA7-4B1D-9FC2-7B3B9AA1E69E}"/>
+              </a:ext>
+            </a:extLst>
+          </p:cNvPr>
+          <p:cNvSpPr>
+            <a:spLocks noGrp="1"/>
+          </p:cNvSpPr>
+          <p:nvPr>
+            <p:ph type="ftr" sz="quarter" idx="11"/>
+          </p:nvPr>
+        </p:nvSpPr>
+        <p:spPr/>
+        <p:txBody>
+          <a:bodyPr/>
+          <a:lstStyle/>
+          <a:p>
+            <a:r>
+              <a:rPr kumimoji="1" lang="fi-FI" altLang="ja-JP"/>
+              <a:t>© 2021 Nishikawa   Web:https://harkerhack.com/</a:t>
+            </a:r>
+            <a:endParaRPr kumimoji="1" lang="ja-JP" altLang="en-US" dirty="0"/>
+          </a:p>
+        </p:txBody>
+      </p:sp>
+      <p:sp>
+        <p:nvSpPr>
+          <p:cNvPr id="5" name="Slide Number Placeholder 4">
+            <a:extLst>
+              <a:ext uri="{FF2B5EF4-FFF2-40B4-BE49-F238E27FC236}">
+                <a16:creationId xmlns:a16="http://schemas.microsoft.com/office/drawing/2014/main" id="{A07CD0A8-B4CB-45D9-B68B-9567B7D47054}"/>
+              </a:ext>
+            </a:extLst>
+          </p:cNvPr>
+          <p:cNvSpPr>
+            <a:spLocks noGrp="1"/>
+          </p:cNvSpPr>
+          <p:nvPr>
+            <p:ph type="sldNum" sz="quarter" idx="12"/>
+          </p:nvPr>
+        </p:nvSpPr>
+        <p:spPr/>
+        <p:txBody>
+          <a:bodyPr/>
+          <a:lstStyle/>
+          <a:p>
+            <a:fld id="{91512E4F-4AC8-432B-8AD7-25FC6E577C8A}" type="slidenum">
+              <a:rPr kumimoji="1" lang="ja-JP" altLang="en-US" smtClean="0"/>
+              <a:t>10</a:t>
+            </a:fld>
+            <a:endParaRPr kumimoji="1" lang="ja-JP" altLang="en-US"/>
+          </a:p>
+        </p:txBody>
+      </p:sp>
+    </p:spTree>
+    <p:extLst>
+      <p:ext uri="{BB962C8B-B14F-4D97-AF65-F5344CB8AC3E}">
+        <p14:creationId xmlns:p14="http://schemas.microsoft.com/office/powerpoint/2010/main" val="3191122050"/>
+      </p:ext>
+    </p:extLst>
+  </p:cSld>
+  <p:clrMapOvr>
+    <a:masterClrMapping/>
+  </p:clrMapOvr>
+</p:sld>
+</file>
+
+<file path=ppt/slides/slide11.xml><?xml version="1.0" encoding="utf-8"?>
+<p:sld xmlns:a="http://schemas.openxmlformats.org/drawingml/2006/main" xmlns:r="http://schemas.openxmlformats.org/officeDocument/2006/relationships" xmlns:p="http://schemas.openxmlformats.org/presentationml/2006/main">
+  <p:cSld>
+    <p:spTree>
+      <p:nvGrpSpPr>
+        <p:cNvPr id="1" name=""/>
+        <p:cNvGrpSpPr/>
+        <p:nvPr/>
+      </p:nvGrpSpPr>
+      <p:grpSpPr>
+        <a:xfrm>
+          <a:off x="0" y="0"/>
+          <a:ext cx="0" cy="0"/>
+          <a:chOff x="0" y="0"/>
+          <a:chExt cx="0" cy="0"/>
+        </a:xfrm>
+      </p:grpSpPr>
+      <p:sp>
+        <p:nvSpPr>
+          <p:cNvPr id="2" name="Title 1">
+            <a:extLst>
+              <a:ext uri="{FF2B5EF4-FFF2-40B4-BE49-F238E27FC236}">
+                <a16:creationId xmlns:a16="http://schemas.microsoft.com/office/drawing/2014/main" id="{42B4FBCF-405B-4471-BD3F-B744AD8A08F2}"/>
+              </a:ext>
+            </a:extLst>
+          </p:cNvPr>
+          <p:cNvSpPr>
+            <a:spLocks noGrp="1"/>
+          </p:cNvSpPr>
+          <p:nvPr>
+            <p:ph type="title"/>
+          </p:nvPr>
+        </p:nvSpPr>
+        <p:spPr/>
+        <p:txBody>
+          <a:bodyPr/>
+          <a:lstStyle/>
+          <a:p>
+            <a:r>
+              <a:rPr kumimoji="1" lang="ja-JP" altLang="en-US" dirty="0"/>
+              <a:t>そのた</a:t>
+            </a:r>
+          </a:p>
+        </p:txBody>
+      </p:sp>
+      <p:sp>
+        <p:nvSpPr>
+          <p:cNvPr id="3" name="Content Placeholder 2">
+            <a:extLst>
+              <a:ext uri="{FF2B5EF4-FFF2-40B4-BE49-F238E27FC236}">
+                <a16:creationId xmlns:a16="http://schemas.microsoft.com/office/drawing/2014/main" id="{C4C61B4A-17DD-4CD5-8535-87AC27B807E6}"/>
+              </a:ext>
+            </a:extLst>
+          </p:cNvPr>
+          <p:cNvSpPr>
+            <a:spLocks noGrp="1"/>
+          </p:cNvSpPr>
+          <p:nvPr>
+            <p:ph idx="1"/>
+          </p:nvPr>
+        </p:nvSpPr>
+        <p:spPr/>
+        <p:txBody>
+          <a:bodyPr>
+            <a:normAutofit fontScale="85000" lnSpcReduction="20000"/>
+          </a:bodyPr>
+          <a:lstStyle/>
+          <a:p>
+            <a:r>
+              <a:rPr kumimoji="1" lang="en-US" altLang="ja-JP" dirty="0"/>
+              <a:t>FBX</a:t>
+            </a:r>
+            <a:r>
+              <a:rPr kumimoji="1" lang="ja-JP" altLang="en-US" dirty="0"/>
+              <a:t>など外部のツールとの連携</a:t>
+            </a:r>
+          </a:p>
+          <a:p>
+            <a:pPr lvl="1"/>
+            <a:r>
+              <a:rPr kumimoji="1" lang="en-US" altLang="ja-JP" dirty="0"/>
+              <a:t>FBX</a:t>
+            </a:r>
+            <a:r>
+              <a:rPr kumimoji="1" lang="ja-JP" altLang="en-US" dirty="0"/>
+              <a:t>でエクスポート、</a:t>
+            </a:r>
+            <a:r>
+              <a:rPr kumimoji="1" lang="en-US" altLang="ja-JP" dirty="0"/>
+              <a:t>Unity</a:t>
+            </a:r>
+            <a:r>
+              <a:rPr kumimoji="1" lang="ja-JP" altLang="en-US" dirty="0"/>
+              <a:t>で読み込んで見る</a:t>
+            </a:r>
+            <a:endParaRPr kumimoji="1" lang="en-US" altLang="ja-JP" dirty="0"/>
+          </a:p>
+          <a:p>
+            <a:r>
+              <a:rPr kumimoji="1" lang="ja-JP" altLang="en-US" dirty="0"/>
+              <a:t>スカルプト</a:t>
+            </a:r>
+          </a:p>
+          <a:p>
+            <a:pPr lvl="1"/>
+            <a:r>
+              <a:rPr kumimoji="1" lang="ja-JP" altLang="en-US" dirty="0"/>
+              <a:t>スムースブラシは結構便利</a:t>
+            </a:r>
+            <a:endParaRPr kumimoji="1" lang="en-US" altLang="ja-JP" dirty="0"/>
+          </a:p>
+          <a:p>
+            <a:r>
+              <a:rPr kumimoji="1" lang="ja-JP" altLang="en-US" dirty="0"/>
+              <a:t>サブディビジョン適用</a:t>
+            </a:r>
+          </a:p>
+          <a:p>
+            <a:pPr lvl="1"/>
+            <a:r>
+              <a:rPr kumimoji="1" lang="en-US" altLang="ja-JP" dirty="0"/>
+              <a:t>Mesh</a:t>
+            </a:r>
+            <a:r>
+              <a:rPr kumimoji="1" lang="ja-JP" altLang="en-US" dirty="0"/>
+              <a:t>＞</a:t>
+            </a:r>
+            <a:r>
+              <a:rPr kumimoji="1" lang="en-US" altLang="ja-JP" dirty="0"/>
+              <a:t>Smooth </a:t>
+            </a:r>
+          </a:p>
+          <a:p>
+            <a:r>
+              <a:rPr kumimoji="1" lang="ja-JP" altLang="en-US" dirty="0"/>
+              <a:t>✔便利機能</a:t>
+            </a:r>
+          </a:p>
+          <a:p>
+            <a:r>
+              <a:rPr kumimoji="1" lang="ja-JP" altLang="en-US" dirty="0"/>
+              <a:t>トランスフォームのリセット</a:t>
+            </a:r>
+          </a:p>
+          <a:p>
+            <a:r>
+              <a:rPr kumimoji="1" lang="ja-JP" altLang="en-US" dirty="0"/>
+              <a:t>シーンサイズの最適化</a:t>
+            </a:r>
+          </a:p>
+          <a:p>
+            <a:r>
+              <a:rPr kumimoji="1" lang="ja-JP" altLang="en-US" dirty="0"/>
+              <a:t>穴を埋める</a:t>
+            </a:r>
+          </a:p>
+          <a:p>
+            <a:r>
+              <a:rPr kumimoji="1" lang="ja-JP" altLang="en-US" dirty="0"/>
+              <a:t>選択モードの切り替え</a:t>
+            </a:r>
+          </a:p>
+          <a:p>
+            <a:r>
+              <a:rPr kumimoji="1" lang="ja-JP" altLang="en-US" dirty="0"/>
+              <a:t>シンメトリ編集 編集中に</a:t>
+            </a:r>
+            <a:r>
+              <a:rPr kumimoji="1" lang="en-US" altLang="ja-JP" dirty="0" err="1"/>
+              <a:t>Ctrl+Shift</a:t>
+            </a:r>
+            <a:r>
+              <a:rPr kumimoji="1" lang="ja-JP" altLang="en-US" dirty="0"/>
+              <a:t>＋右クリック上</a:t>
+            </a:r>
+          </a:p>
+          <a:p>
+            <a:r>
+              <a:rPr kumimoji="1" lang="ja-JP" altLang="en-US" dirty="0"/>
+              <a:t>インスタンの複製 </a:t>
+            </a:r>
+            <a:r>
+              <a:rPr kumimoji="1" lang="en-US" altLang="ja-JP" dirty="0"/>
+              <a:t>Alt</a:t>
+            </a:r>
+            <a:r>
+              <a:rPr kumimoji="1" lang="ja-JP" altLang="en-US" dirty="0"/>
+              <a:t>＋</a:t>
+            </a:r>
+            <a:r>
+              <a:rPr kumimoji="1" lang="en-US" altLang="ja-JP" dirty="0"/>
+              <a:t>D</a:t>
+            </a:r>
+          </a:p>
+          <a:p>
+            <a:r>
+              <a:rPr kumimoji="1" lang="ja-JP" altLang="en-US" dirty="0"/>
+              <a:t>移動して複製 </a:t>
+            </a:r>
+            <a:r>
+              <a:rPr kumimoji="1" lang="en-US" altLang="ja-JP" dirty="0"/>
+              <a:t>Shift</a:t>
+            </a:r>
+            <a:r>
+              <a:rPr kumimoji="1" lang="ja-JP" altLang="en-US" dirty="0"/>
+              <a:t>＋</a:t>
+            </a:r>
+            <a:r>
+              <a:rPr kumimoji="1" lang="en-US" altLang="ja-JP" dirty="0"/>
+              <a:t>D</a:t>
+            </a:r>
+          </a:p>
+          <a:p>
+            <a:pPr marL="0" indent="0">
+              <a:buNone/>
+            </a:pPr>
+            <a:endParaRPr kumimoji="1" lang="ja-JP" altLang="en-US" dirty="0"/>
+          </a:p>
+        </p:txBody>
+      </p:sp>
+      <p:sp>
+        <p:nvSpPr>
+          <p:cNvPr id="4" name="Footer Placeholder 3">
+            <a:extLst>
+              <a:ext uri="{FF2B5EF4-FFF2-40B4-BE49-F238E27FC236}">
+                <a16:creationId xmlns:a16="http://schemas.microsoft.com/office/drawing/2014/main" id="{56DBA6E8-C668-48A4-9FE5-53B2E271BBCC}"/>
+              </a:ext>
+            </a:extLst>
+          </p:cNvPr>
+          <p:cNvSpPr>
+            <a:spLocks noGrp="1"/>
+          </p:cNvSpPr>
+          <p:nvPr>
+            <p:ph type="ftr" sz="quarter" idx="11"/>
+          </p:nvPr>
+        </p:nvSpPr>
+        <p:spPr/>
+        <p:txBody>
+          <a:bodyPr/>
+          <a:lstStyle/>
+          <a:p>
+            <a:r>
+              <a:rPr kumimoji="1" lang="fi-FI" altLang="ja-JP"/>
+              <a:t>© 2021 Nishikawa   Web:https://harkerhack.com/</a:t>
+            </a:r>
+            <a:endParaRPr kumimoji="1" lang="ja-JP" altLang="en-US" dirty="0"/>
+          </a:p>
+        </p:txBody>
+      </p:sp>
+      <p:sp>
+        <p:nvSpPr>
+          <p:cNvPr id="5" name="Slide Number Placeholder 4">
+            <a:extLst>
+              <a:ext uri="{FF2B5EF4-FFF2-40B4-BE49-F238E27FC236}">
+                <a16:creationId xmlns:a16="http://schemas.microsoft.com/office/drawing/2014/main" id="{85733958-1F72-41E3-878E-FDBFC9D41462}"/>
+              </a:ext>
+            </a:extLst>
+          </p:cNvPr>
+          <p:cNvSpPr>
+            <a:spLocks noGrp="1"/>
+          </p:cNvSpPr>
+          <p:nvPr>
+            <p:ph type="sldNum" sz="quarter" idx="12"/>
+          </p:nvPr>
+        </p:nvSpPr>
+        <p:spPr/>
+        <p:txBody>
+          <a:bodyPr/>
+          <a:lstStyle/>
+          <a:p>
+            <a:fld id="{91512E4F-4AC8-432B-8AD7-25FC6E577C8A}" type="slidenum">
+              <a:rPr kumimoji="1" lang="ja-JP" altLang="en-US" smtClean="0"/>
+              <a:t>11</a:t>
+            </a:fld>
+            <a:endParaRPr kumimoji="1" lang="ja-JP" altLang="en-US"/>
+          </a:p>
+        </p:txBody>
+      </p:sp>
+    </p:spTree>
+    <p:extLst>
+      <p:ext uri="{BB962C8B-B14F-4D97-AF65-F5344CB8AC3E}">
+        <p14:creationId xmlns:p14="http://schemas.microsoft.com/office/powerpoint/2010/main" val="4144050062"/>
       </p:ext>
     </p:extLst>
   </p:cSld>
@@ -8470,7 +9021,7 @@
           <p:cNvPr id="2" name="Title 1">
             <a:extLst>
               <a:ext uri="{FF2B5EF4-FFF2-40B4-BE49-F238E27FC236}">
-                <a16:creationId xmlns:a16="http://schemas.microsoft.com/office/drawing/2014/main" id="{B2469441-E6DE-4AAF-A936-8D56C94F3815}"/>
+                <a16:creationId xmlns:a16="http://schemas.microsoft.com/office/drawing/2014/main" id="{B680AF0E-FA24-4012-9C62-2C6DE8B7D4A0}"/>
               </a:ext>
             </a:extLst>
           </p:cNvPr>
@@ -8488,7 +9039,7 @@
           <a:p>
             <a:r>
               <a:rPr kumimoji="1" lang="ja-JP" altLang="en-US" dirty="0"/>
-              <a:t>アニメーション</a:t>
+              <a:t>ジョイント</a:t>
             </a:r>
           </a:p>
         </p:txBody>
@@ -8498,7 +9049,7 @@
           <p:cNvPr id="3" name="Content Placeholder 2">
             <a:extLst>
               <a:ext uri="{FF2B5EF4-FFF2-40B4-BE49-F238E27FC236}">
-                <a16:creationId xmlns:a16="http://schemas.microsoft.com/office/drawing/2014/main" id="{74EDF524-B216-4357-89BC-E78F970607A2}"/>
+                <a16:creationId xmlns:a16="http://schemas.microsoft.com/office/drawing/2014/main" id="{FB125816-BD2C-4525-8E35-FD256307BE70}"/>
               </a:ext>
             </a:extLst>
           </p:cNvPr>
@@ -8515,25 +9066,69 @@
           <a:lstStyle/>
           <a:p>
             <a:r>
+              <a:rPr kumimoji="1" lang="ja-JP" altLang="en-US" dirty="0"/>
+              <a:t>ジョイントを配置してみる</a:t>
+            </a:r>
+            <a:endParaRPr kumimoji="1" lang="en-US" altLang="ja-JP" dirty="0"/>
+          </a:p>
+          <a:p>
+            <a:pPr lvl="1"/>
+            <a:r>
               <a:rPr kumimoji="1" lang="en-US" altLang="ja-JP" dirty="0"/>
-              <a:t>Maya</a:t>
-            </a:r>
+              <a:t>Joint&gt;Create Skelton</a:t>
+            </a:r>
+          </a:p>
+          <a:p>
+            <a:r>
+              <a:rPr lang="ja-JP" altLang="en-US" dirty="0"/>
+              <a:t>ジョイントの配置で気をつけるべきところ</a:t>
+            </a:r>
+            <a:endParaRPr lang="en-US" altLang="ja-JP" dirty="0"/>
+          </a:p>
+          <a:p>
+            <a:pPr lvl="1"/>
+            <a:r>
+              <a:rPr lang="ja-JP" altLang="en-US" dirty="0"/>
+              <a:t>アニメーションをすることを考えて配置する</a:t>
+            </a:r>
+            <a:endParaRPr lang="en-US" altLang="ja-JP" dirty="0"/>
+          </a:p>
+          <a:p>
             <a:r>
               <a:rPr kumimoji="1" lang="ja-JP" altLang="en-US" dirty="0"/>
-              <a:t>上でキーフレームを打ってみる</a:t>
+              <a:t>ジョイントのミラー</a:t>
             </a:r>
             <a:endParaRPr kumimoji="1" lang="en-US" altLang="ja-JP" dirty="0"/>
           </a:p>
           <a:p>
             <a:r>
-              <a:rPr lang="en-US" altLang="ja-JP" dirty="0"/>
-              <a:t>S</a:t>
-            </a:r>
+              <a:rPr kumimoji="1" lang="ja-JP" altLang="en-US" dirty="0"/>
+              <a:t>ジョイント方向に気をつける</a:t>
+            </a:r>
+            <a:endParaRPr kumimoji="1" lang="en-US" altLang="ja-JP" dirty="0"/>
+          </a:p>
+          <a:p>
+            <a:pPr lvl="1"/>
             <a:r>
               <a:rPr lang="ja-JP" altLang="en-US" dirty="0"/>
-              <a:t>キーでキーをうつ</a:t>
-            </a:r>
-            <a:endParaRPr kumimoji="1" lang="ja-JP" altLang="en-US" dirty="0"/>
+              <a:t>ローカル軸が重要 これはプロジェクトによって異なる</a:t>
+            </a:r>
+            <a:endParaRPr lang="en-US" altLang="ja-JP" dirty="0"/>
+          </a:p>
+          <a:p>
+            <a:pPr lvl="1"/>
+            <a:r>
+              <a:rPr kumimoji="1" lang="en-US" altLang="ja-JP" dirty="0"/>
+              <a:t>X</a:t>
+            </a:r>
+            <a:r>
+              <a:rPr kumimoji="1" lang="ja-JP" altLang="en-US" dirty="0"/>
+              <a:t>軸が子供の方向を向いてるのが王道</a:t>
+            </a:r>
+            <a:endParaRPr kumimoji="1" lang="en-US" altLang="ja-JP" dirty="0"/>
+          </a:p>
+          <a:p>
+            <a:endParaRPr kumimoji="1" lang="en-US" altLang="ja-JP" dirty="0"/>
           </a:p>
         </p:txBody>
       </p:sp>
@@ -8542,7 +9137,7 @@
           <p:cNvPr id="4" name="Slide Number Placeholder 3">
             <a:extLst>
               <a:ext uri="{FF2B5EF4-FFF2-40B4-BE49-F238E27FC236}">
-                <a16:creationId xmlns:a16="http://schemas.microsoft.com/office/drawing/2014/main" id="{79DD4DE1-BF8F-4962-8FD0-00F00E797FF0}"/>
+                <a16:creationId xmlns:a16="http://schemas.microsoft.com/office/drawing/2014/main" id="{FA05DCBD-DD06-4C97-BC98-AF75764C843D}"/>
               </a:ext>
             </a:extLst>
           </p:cNvPr>
@@ -8571,7 +9166,7 @@
           <p:cNvPr id="5" name="Footer Placeholder 4">
             <a:extLst>
               <a:ext uri="{FF2B5EF4-FFF2-40B4-BE49-F238E27FC236}">
-                <a16:creationId xmlns:a16="http://schemas.microsoft.com/office/drawing/2014/main" id="{22505498-3688-41E7-8251-EEB5709568E4}"/>
+                <a16:creationId xmlns:a16="http://schemas.microsoft.com/office/drawing/2014/main" id="{5A12F540-A1AA-4EA0-AA1E-ACC65AD9DEED}"/>
               </a:ext>
             </a:extLst>
           </p:cNvPr>
@@ -8598,7 +9193,7 @@
     </p:spTree>
     <p:extLst>
       <p:ext uri="{BB962C8B-B14F-4D97-AF65-F5344CB8AC3E}">
-        <p14:creationId xmlns:p14="http://schemas.microsoft.com/office/powerpoint/2010/main" val="1988988236"/>
+        <p14:creationId xmlns:p14="http://schemas.microsoft.com/office/powerpoint/2010/main" val="4290631587"/>
       </p:ext>
     </p:extLst>
   </p:cSld>
@@ -8630,7 +9225,7 @@
           <p:cNvPr id="2" name="Title 1">
             <a:extLst>
               <a:ext uri="{FF2B5EF4-FFF2-40B4-BE49-F238E27FC236}">
-                <a16:creationId xmlns:a16="http://schemas.microsoft.com/office/drawing/2014/main" id="{B680AF0E-FA24-4012-9C62-2C6DE8B7D4A0}"/>
+                <a16:creationId xmlns:a16="http://schemas.microsoft.com/office/drawing/2014/main" id="{3E1A77E3-FC9E-42D4-8446-AEB0B3224439}"/>
               </a:ext>
             </a:extLst>
           </p:cNvPr>
@@ -8648,7 +9243,7 @@
           <a:p>
             <a:r>
               <a:rPr kumimoji="1" lang="ja-JP" altLang="en-US" dirty="0"/>
-              <a:t>ジョイント</a:t>
+              <a:t>スキニング</a:t>
             </a:r>
           </a:p>
         </p:txBody>
@@ -8658,7 +9253,7 @@
           <p:cNvPr id="3" name="Content Placeholder 2">
             <a:extLst>
               <a:ext uri="{FF2B5EF4-FFF2-40B4-BE49-F238E27FC236}">
-                <a16:creationId xmlns:a16="http://schemas.microsoft.com/office/drawing/2014/main" id="{FB125816-BD2C-4525-8E35-FD256307BE70}"/>
+                <a16:creationId xmlns:a16="http://schemas.microsoft.com/office/drawing/2014/main" id="{79B3AE5A-9FBB-4707-95DE-0C08DD1FB945}"/>
               </a:ext>
             </a:extLst>
           </p:cNvPr>
@@ -8676,29 +9271,91 @@
           <a:p>
             <a:r>
               <a:rPr kumimoji="1" lang="ja-JP" altLang="en-US" dirty="0"/>
-              <a:t>ジョイントを配置してみる</a:t>
+              <a:t>スキニングする</a:t>
             </a:r>
             <a:endParaRPr kumimoji="1" lang="en-US" altLang="ja-JP" dirty="0"/>
           </a:p>
           <a:p>
+            <a:pPr lvl="1"/>
+            <a:r>
+              <a:rPr lang="en-US" altLang="ja-JP" dirty="0"/>
+              <a:t>Skin&gt;</a:t>
+            </a:r>
+            <a:r>
+              <a:rPr lang="en-US" altLang="ja-JP" dirty="0" err="1"/>
+              <a:t>BindSkin</a:t>
+            </a:r>
             <a:r>
               <a:rPr lang="ja-JP" altLang="en-US" dirty="0"/>
-              <a:t>ジョイントの配置で気をつけるべきところ</a:t>
+              <a:t>でスキニング</a:t>
+            </a:r>
+            <a:endParaRPr kumimoji="1" lang="en-US" altLang="ja-JP" dirty="0"/>
+          </a:p>
+          <a:p>
+            <a:r>
+              <a:rPr lang="ja-JP" altLang="en-US" dirty="0"/>
+              <a:t>ウェイトペイントで調整する</a:t>
             </a:r>
             <a:endParaRPr lang="en-US" altLang="ja-JP" dirty="0"/>
           </a:p>
           <a:p>
             <a:r>
               <a:rPr kumimoji="1" lang="ja-JP" altLang="en-US" dirty="0"/>
-              <a:t>ジョイントのミラー</a:t>
+              <a:t>コンポーネントエディタで調整</a:t>
             </a:r>
             <a:endParaRPr kumimoji="1" lang="en-US" altLang="ja-JP" dirty="0"/>
           </a:p>
           <a:p>
+            <a:pPr lvl="1"/>
+            <a:r>
+              <a:rPr lang="en-US" altLang="ja-JP" dirty="0"/>
+              <a:t>Window&gt;</a:t>
+            </a:r>
+            <a:r>
+              <a:rPr lang="en-US" altLang="ja-JP" dirty="0" err="1"/>
+              <a:t>GeneralEditor</a:t>
+            </a:r>
+            <a:r>
+              <a:rPr lang="en-US" altLang="ja-JP" dirty="0"/>
+              <a:t>&gt;Component Editor</a:t>
+            </a:r>
+            <a:r>
+              <a:rPr lang="ja-JP" altLang="en-US" dirty="0"/>
+              <a:t>で頂点の情報を見ることができる</a:t>
+            </a:r>
+            <a:endParaRPr lang="en-US" altLang="ja-JP" dirty="0"/>
+          </a:p>
+          <a:p>
+            <a:pPr lvl="1"/>
+            <a:r>
+              <a:rPr kumimoji="1" lang="en-US" altLang="ja-JP" dirty="0"/>
+              <a:t>Smooth Skins</a:t>
+            </a:r>
             <a:r>
               <a:rPr kumimoji="1" lang="ja-JP" altLang="en-US" dirty="0"/>
-              <a:t>ジョイント方向に気をつける</a:t>
-            </a:r>
+              <a:t>タブでスキニング情報を編集できる</a:t>
+            </a:r>
+            <a:endParaRPr kumimoji="1" lang="en-US" altLang="ja-JP" dirty="0"/>
+          </a:p>
+          <a:p>
+            <a:r>
+              <a:rPr lang="en-US" altLang="ja-JP" dirty="0" err="1"/>
+              <a:t>SIEditor</a:t>
+            </a:r>
+            <a:r>
+              <a:rPr lang="ja-JP" altLang="en-US" dirty="0"/>
+              <a:t>で調整する</a:t>
+            </a:r>
+            <a:endParaRPr lang="en-US" altLang="ja-JP" dirty="0"/>
+          </a:p>
+          <a:p>
+            <a:r>
+              <a:rPr kumimoji="1" lang="en-US" altLang="ja-JP" dirty="0">
+                <a:hlinkClick r:id="rId2"/>
+              </a:rPr>
+              <a:t>https://github.com/ShikouYamaue/SIWeightEditor</a:t>
+            </a:r>
+            <a:endParaRPr kumimoji="1" lang="ja-JP" altLang="en-US" dirty="0"/>
           </a:p>
         </p:txBody>
       </p:sp>
@@ -8707,7 +9364,7 @@
           <p:cNvPr id="4" name="Slide Number Placeholder 3">
             <a:extLst>
               <a:ext uri="{FF2B5EF4-FFF2-40B4-BE49-F238E27FC236}">
-                <a16:creationId xmlns:a16="http://schemas.microsoft.com/office/drawing/2014/main" id="{FA05DCBD-DD06-4C97-BC98-AF75764C843D}"/>
+                <a16:creationId xmlns:a16="http://schemas.microsoft.com/office/drawing/2014/main" id="{60546F95-901B-45C6-85E3-D3C936569386}"/>
               </a:ext>
             </a:extLst>
           </p:cNvPr>
@@ -8736,7 +9393,7 @@
           <p:cNvPr id="5" name="Footer Placeholder 4">
             <a:extLst>
               <a:ext uri="{FF2B5EF4-FFF2-40B4-BE49-F238E27FC236}">
-                <a16:creationId xmlns:a16="http://schemas.microsoft.com/office/drawing/2014/main" id="{5A12F540-A1AA-4EA0-AA1E-ACC65AD9DEED}"/>
+                <a16:creationId xmlns:a16="http://schemas.microsoft.com/office/drawing/2014/main" id="{ECC82B8E-8869-46AE-A582-3C3B9168A3FC}"/>
               </a:ext>
             </a:extLst>
           </p:cNvPr>
@@ -8753,7 +9410,7 @@
           <a:lstStyle/>
           <a:p>
             <a:r>
-              <a:rPr kumimoji="1" lang="fi-FI" altLang="ja-JP"/>
+              <a:rPr kumimoji="1" lang="fi-FI" altLang="ja-JP" dirty="0"/>
               <a:t>© 2021 Nishikawa   Web:https://harkerhack.com/</a:t>
             </a:r>
             <a:endParaRPr kumimoji="1" lang="ja-JP" altLang="en-US" dirty="0"/>
@@ -8763,7 +9420,7 @@
     </p:spTree>
     <p:extLst>
       <p:ext uri="{BB962C8B-B14F-4D97-AF65-F5344CB8AC3E}">
-        <p14:creationId xmlns:p14="http://schemas.microsoft.com/office/powerpoint/2010/main" val="4290631587"/>
+        <p14:creationId xmlns:p14="http://schemas.microsoft.com/office/powerpoint/2010/main" val="3921758084"/>
       </p:ext>
     </p:extLst>
   </p:cSld>
@@ -8795,7 +9452,7 @@
           <p:cNvPr id="2" name="Title 1">
             <a:extLst>
               <a:ext uri="{FF2B5EF4-FFF2-40B4-BE49-F238E27FC236}">
-                <a16:creationId xmlns:a16="http://schemas.microsoft.com/office/drawing/2014/main" id="{3E1A77E3-FC9E-42D4-8446-AEB0B3224439}"/>
+                <a16:creationId xmlns:a16="http://schemas.microsoft.com/office/drawing/2014/main" id="{BD3968A6-56E0-413A-B399-66A59E97C9D8}"/>
               </a:ext>
             </a:extLst>
           </p:cNvPr>
@@ -8813,7 +9470,7 @@
           <a:p>
             <a:r>
               <a:rPr kumimoji="1" lang="ja-JP" altLang="en-US" dirty="0"/>
-              <a:t>スキニング</a:t>
+              <a:t>リギングとは？</a:t>
             </a:r>
           </a:p>
         </p:txBody>
@@ -8823,7 +9480,7 @@
           <p:cNvPr id="3" name="Content Placeholder 2">
             <a:extLst>
               <a:ext uri="{FF2B5EF4-FFF2-40B4-BE49-F238E27FC236}">
-                <a16:creationId xmlns:a16="http://schemas.microsoft.com/office/drawing/2014/main" id="{79B3AE5A-9FBB-4707-95DE-0C08DD1FB945}"/>
+                <a16:creationId xmlns:a16="http://schemas.microsoft.com/office/drawing/2014/main" id="{2F3090E7-1BB9-48E0-93D8-94520D6E021A}"/>
               </a:ext>
             </a:extLst>
           </p:cNvPr>
@@ -8841,43 +9498,58 @@
           <a:p>
             <a:r>
               <a:rPr kumimoji="1" lang="ja-JP" altLang="en-US" dirty="0"/>
-              <a:t>スキニングする</a:t>
+              <a:t>アニメーションがしやすいようにセッティングすること</a:t>
             </a:r>
             <a:endParaRPr kumimoji="1" lang="en-US" altLang="ja-JP" dirty="0"/>
           </a:p>
           <a:p>
             <a:r>
               <a:rPr lang="ja-JP" altLang="en-US" dirty="0"/>
-              <a:t>ウェイトペイントで調整する</a:t>
+              <a:t>セットアップとも言われる</a:t>
             </a:r>
             <a:endParaRPr lang="en-US" altLang="ja-JP" dirty="0"/>
           </a:p>
           <a:p>
             <a:r>
               <a:rPr kumimoji="1" lang="ja-JP" altLang="en-US" dirty="0"/>
-              <a:t>コンポーネントエディタで調整</a:t>
+              <a:t>カーブやトランスフォーム、ノードエディタを使用する</a:t>
             </a:r>
             <a:endParaRPr kumimoji="1" lang="en-US" altLang="ja-JP" dirty="0"/>
           </a:p>
           <a:p>
             <a:r>
-              <a:rPr lang="en-US" altLang="ja-JP" dirty="0" err="1"/>
-              <a:t>SIEditor</a:t>
-            </a:r>
+              <a:rPr kumimoji="1" lang="ja-JP" altLang="en-US" dirty="0"/>
+              <a:t>かなりテクニカルになる</a:t>
+            </a:r>
+            <a:endParaRPr kumimoji="1" lang="en-US" altLang="ja-JP" dirty="0"/>
+          </a:p>
+          <a:p>
             <a:r>
               <a:rPr lang="ja-JP" altLang="en-US" dirty="0"/>
-              <a:t>で調整する</a:t>
+              <a:t>リギングされたデータを見てみよう</a:t>
             </a:r>
             <a:endParaRPr lang="en-US" altLang="ja-JP" dirty="0"/>
           </a:p>
           <a:p>
             <a:r>
-              <a:rPr kumimoji="1" lang="en-US" altLang="ja-JP" dirty="0">
-                <a:hlinkClick r:id="rId2"/>
-              </a:rPr>
-              <a:t>https://github.com/ShikouYamaue/SIWeightEditor</a:t>
-            </a:r>
-            <a:endParaRPr kumimoji="1" lang="ja-JP" altLang="en-US" dirty="0"/>
+              <a:rPr kumimoji="1" lang="ja-JP" altLang="en-US" dirty="0"/>
+              <a:t>カーブを配置して、コンストレイントしてみる。</a:t>
+            </a:r>
+            <a:endParaRPr kumimoji="1" lang="en-US" altLang="ja-JP" dirty="0"/>
+          </a:p>
+          <a:p>
+            <a:pPr lvl="1"/>
+            <a:r>
+              <a:rPr kumimoji="1" lang="ja-JP" altLang="en-US" dirty="0"/>
+              <a:t>コンストレイント＞オリエントコンストレイント</a:t>
+            </a:r>
+            <a:endParaRPr lang="en-US" altLang="ja-JP" dirty="0"/>
+          </a:p>
+          <a:p>
+            <a:r>
+              <a:rPr kumimoji="1" lang="ja-JP" altLang="en-US" dirty="0"/>
+              <a:t>実際にやってみる</a:t>
+            </a:r>
           </a:p>
         </p:txBody>
       </p:sp>
@@ -8886,7 +9558,7 @@
           <p:cNvPr id="4" name="Slide Number Placeholder 3">
             <a:extLst>
               <a:ext uri="{FF2B5EF4-FFF2-40B4-BE49-F238E27FC236}">
-                <a16:creationId xmlns:a16="http://schemas.microsoft.com/office/drawing/2014/main" id="{60546F95-901B-45C6-85E3-D3C936569386}"/>
+                <a16:creationId xmlns:a16="http://schemas.microsoft.com/office/drawing/2014/main" id="{A1517517-C4F9-49CF-94A1-2A314F9B6F75}"/>
               </a:ext>
             </a:extLst>
           </p:cNvPr>
@@ -8915,7 +9587,7 @@
           <p:cNvPr id="5" name="Footer Placeholder 4">
             <a:extLst>
               <a:ext uri="{FF2B5EF4-FFF2-40B4-BE49-F238E27FC236}">
-                <a16:creationId xmlns:a16="http://schemas.microsoft.com/office/drawing/2014/main" id="{ECC82B8E-8869-46AE-A582-3C3B9168A3FC}"/>
+                <a16:creationId xmlns:a16="http://schemas.microsoft.com/office/drawing/2014/main" id="{E1449247-FC86-4C4D-8B8D-BC6350C3A7B5}"/>
               </a:ext>
             </a:extLst>
           </p:cNvPr>
@@ -8942,7 +9614,7 @@
     </p:spTree>
     <p:extLst>
       <p:ext uri="{BB962C8B-B14F-4D97-AF65-F5344CB8AC3E}">
-        <p14:creationId xmlns:p14="http://schemas.microsoft.com/office/powerpoint/2010/main" val="3921758084"/>
+        <p14:creationId xmlns:p14="http://schemas.microsoft.com/office/powerpoint/2010/main" val="1139230346"/>
       </p:ext>
     </p:extLst>
   </p:cSld>
@@ -8974,7 +9646,7 @@
           <p:cNvPr id="2" name="Title 1">
             <a:extLst>
               <a:ext uri="{FF2B5EF4-FFF2-40B4-BE49-F238E27FC236}">
-                <a16:creationId xmlns:a16="http://schemas.microsoft.com/office/drawing/2014/main" id="{9DBEEC57-2E09-4380-A1FF-BB9AA63B1A99}"/>
+                <a16:creationId xmlns:a16="http://schemas.microsoft.com/office/drawing/2014/main" id="{B2469441-E6DE-4AAF-A936-8D56C94F3815}"/>
               </a:ext>
             </a:extLst>
           </p:cNvPr>
@@ -8992,7 +9664,7 @@
           <a:p>
             <a:r>
               <a:rPr kumimoji="1" lang="ja-JP" altLang="en-US" dirty="0"/>
-              <a:t>ブレンドシェイプ</a:t>
+              <a:t>アニメーション</a:t>
             </a:r>
           </a:p>
         </p:txBody>
@@ -9002,7 +9674,7 @@
           <p:cNvPr id="3" name="Content Placeholder 2">
             <a:extLst>
               <a:ext uri="{FF2B5EF4-FFF2-40B4-BE49-F238E27FC236}">
-                <a16:creationId xmlns:a16="http://schemas.microsoft.com/office/drawing/2014/main" id="{AA53FFE3-3653-46A6-B671-D5122C9577F8}"/>
+                <a16:creationId xmlns:a16="http://schemas.microsoft.com/office/drawing/2014/main" id="{74EDF524-B216-4357-89BC-E78F970607A2}"/>
               </a:ext>
             </a:extLst>
           </p:cNvPr>
@@ -9019,22 +9691,47 @@
           <a:lstStyle/>
           <a:p>
             <a:r>
+              <a:rPr kumimoji="1" lang="en-US" altLang="ja-JP" dirty="0"/>
+              <a:t>Maya</a:t>
+            </a:r>
+            <a:r>
               <a:rPr kumimoji="1" lang="ja-JP" altLang="en-US" dirty="0"/>
-              <a:t>頂点の移動を記録する</a:t>
+              <a:t>上でキーフレームを打ってみる</a:t>
             </a:r>
             <a:endParaRPr kumimoji="1" lang="en-US" altLang="ja-JP" dirty="0"/>
           </a:p>
           <a:p>
             <a:r>
+              <a:rPr lang="en-US" altLang="ja-JP" dirty="0"/>
+              <a:t>S</a:t>
+            </a:r>
+            <a:r>
               <a:rPr lang="ja-JP" altLang="en-US" dirty="0"/>
-              <a:t>顔の表情に使われることがある</a:t>
+              <a:t>キーでキーをうつ</a:t>
+            </a:r>
+            <a:endParaRPr lang="en-US" altLang="ja-JP" dirty="0"/>
+          </a:p>
+          <a:p>
+            <a:r>
+              <a:rPr kumimoji="1" lang="ja-JP" altLang="en-US" dirty="0"/>
+              <a:t>タイムライン上でキーフレームの移動、削除</a:t>
+            </a:r>
+          </a:p>
+          <a:p>
+            <a:r>
+              <a:rPr kumimoji="1" lang="en-US" altLang="ja-JP" dirty="0"/>
+              <a:t>Windows&gt;Animation&gt;Graph Editor</a:t>
+            </a:r>
+            <a:r>
+              <a:rPr kumimoji="1" lang="ja-JP" altLang="en-US" dirty="0"/>
+              <a:t>カーブの編集</a:t>
             </a:r>
             <a:endParaRPr kumimoji="1" lang="en-US" altLang="ja-JP" dirty="0"/>
           </a:p>
           <a:p>
             <a:r>
               <a:rPr lang="ja-JP" altLang="en-US" dirty="0"/>
-              <a:t>頂点番号が変わらなければブレンドシェイプとして登録可能</a:t>
+              <a:t>アトリビュートもキーを打つことができる</a:t>
             </a:r>
             <a:endParaRPr kumimoji="1" lang="ja-JP" altLang="en-US" dirty="0"/>
           </a:p>
@@ -9045,7 +9742,7 @@
           <p:cNvPr id="4" name="Slide Number Placeholder 3">
             <a:extLst>
               <a:ext uri="{FF2B5EF4-FFF2-40B4-BE49-F238E27FC236}">
-                <a16:creationId xmlns:a16="http://schemas.microsoft.com/office/drawing/2014/main" id="{42662A4E-E448-4152-89D3-5DE959D91E44}"/>
+                <a16:creationId xmlns:a16="http://schemas.microsoft.com/office/drawing/2014/main" id="{79DD4DE1-BF8F-4962-8FD0-00F00E797FF0}"/>
               </a:ext>
             </a:extLst>
           </p:cNvPr>
@@ -9074,7 +9771,7 @@
           <p:cNvPr id="5" name="Footer Placeholder 4">
             <a:extLst>
               <a:ext uri="{FF2B5EF4-FFF2-40B4-BE49-F238E27FC236}">
-                <a16:creationId xmlns:a16="http://schemas.microsoft.com/office/drawing/2014/main" id="{1B3A0ED8-2183-4C55-B9BD-FD072E54F02E}"/>
+                <a16:creationId xmlns:a16="http://schemas.microsoft.com/office/drawing/2014/main" id="{22505498-3688-41E7-8251-EEB5709568E4}"/>
               </a:ext>
             </a:extLst>
           </p:cNvPr>
@@ -9101,7 +9798,7 @@
     </p:spTree>
     <p:extLst>
       <p:ext uri="{BB962C8B-B14F-4D97-AF65-F5344CB8AC3E}">
-        <p14:creationId xmlns:p14="http://schemas.microsoft.com/office/powerpoint/2010/main" val="565503449"/>
+        <p14:creationId xmlns:p14="http://schemas.microsoft.com/office/powerpoint/2010/main" val="1988988236"/>
       </p:ext>
     </p:extLst>
   </p:cSld>
@@ -9133,7 +9830,7 @@
           <p:cNvPr id="2" name="Title 1">
             <a:extLst>
               <a:ext uri="{FF2B5EF4-FFF2-40B4-BE49-F238E27FC236}">
-                <a16:creationId xmlns:a16="http://schemas.microsoft.com/office/drawing/2014/main" id="{BD3968A6-56E0-413A-B399-66A59E97C9D8}"/>
+                <a16:creationId xmlns:a16="http://schemas.microsoft.com/office/drawing/2014/main" id="{9DBEEC57-2E09-4380-A1FF-BB9AA63B1A99}"/>
               </a:ext>
             </a:extLst>
           </p:cNvPr>
@@ -9151,7 +9848,7 @@
           <a:p>
             <a:r>
               <a:rPr kumimoji="1" lang="ja-JP" altLang="en-US" dirty="0"/>
-              <a:t>リギングとは？</a:t>
+              <a:t>ブレンドシェイプ</a:t>
             </a:r>
           </a:p>
         </p:txBody>
@@ -9161,7 +9858,7 @@
           <p:cNvPr id="3" name="Content Placeholder 2">
             <a:extLst>
               <a:ext uri="{FF2B5EF4-FFF2-40B4-BE49-F238E27FC236}">
-                <a16:creationId xmlns:a16="http://schemas.microsoft.com/office/drawing/2014/main" id="{2F3090E7-1BB9-48E0-93D8-94520D6E021A}"/>
+                <a16:creationId xmlns:a16="http://schemas.microsoft.com/office/drawing/2014/main" id="{AA53FFE3-3653-46A6-B671-D5122C9577F8}"/>
               </a:ext>
             </a:extLst>
           </p:cNvPr>
@@ -9179,39 +9876,59 @@
           <a:p>
             <a:r>
               <a:rPr kumimoji="1" lang="ja-JP" altLang="en-US" dirty="0"/>
-              <a:t>アニメーションがしやすいようにセッティングすること</a:t>
+              <a:t>頂点の移動を記録する</a:t>
             </a:r>
             <a:endParaRPr kumimoji="1" lang="en-US" altLang="ja-JP" dirty="0"/>
           </a:p>
           <a:p>
             <a:r>
               <a:rPr lang="ja-JP" altLang="en-US" dirty="0"/>
-              <a:t>セットアップとも言われる</a:t>
+              <a:t>顔の表情に使われることがある</a:t>
+            </a:r>
+            <a:endParaRPr kumimoji="1" lang="en-US" altLang="ja-JP" dirty="0"/>
+          </a:p>
+          <a:p>
+            <a:r>
+              <a:rPr lang="ja-JP" altLang="en-US" dirty="0"/>
+              <a:t>頂点番号が変わらなければブレンドシェイプとして登録可能</a:t>
             </a:r>
             <a:endParaRPr lang="en-US" altLang="ja-JP" dirty="0"/>
           </a:p>
           <a:p>
             <a:r>
+              <a:rPr kumimoji="1" lang="en-US" altLang="ja-JP" dirty="0"/>
+              <a:t>Window</a:t>
+            </a:r>
+            <a:r>
               <a:rPr kumimoji="1" lang="ja-JP" altLang="en-US" dirty="0"/>
-              <a:t>カーブやトランスフォーム、ノードエディタを使用する</a:t>
-            </a:r>
-            <a:endParaRPr kumimoji="1" lang="en-US" altLang="ja-JP" dirty="0"/>
-          </a:p>
-          <a:p>
+              <a:t>＞</a:t>
+            </a:r>
+            <a:r>
+              <a:rPr kumimoji="1" lang="en-US" altLang="ja-JP" dirty="0"/>
+              <a:t>Animation</a:t>
+            </a:r>
             <a:r>
               <a:rPr kumimoji="1" lang="ja-JP" altLang="en-US" dirty="0"/>
-              <a:t>かなりテクニカルになる</a:t>
-            </a:r>
-            <a:endParaRPr kumimoji="1" lang="en-US" altLang="ja-JP" dirty="0"/>
-          </a:p>
-          <a:p>
-            <a:r>
-              <a:rPr lang="ja-JP" altLang="en-US" dirty="0"/>
-              <a:t>リギングされたデータを見てみよう</a:t>
-            </a:r>
-            <a:endParaRPr lang="en-US" altLang="ja-JP" dirty="0"/>
-          </a:p>
-          <a:p>
+              <a:t>＞</a:t>
+            </a:r>
+            <a:r>
+              <a:rPr kumimoji="1" lang="en-US" altLang="ja-JP" dirty="0"/>
+              <a:t>Shape Editor</a:t>
+            </a:r>
+          </a:p>
+          <a:p>
+            <a:r>
+              <a:rPr kumimoji="1" lang="en-US" altLang="ja-JP" dirty="0"/>
+              <a:t>Create Blend Shape</a:t>
+            </a:r>
+            <a:r>
+              <a:rPr kumimoji="1" lang="ja-JP" altLang="en-US" dirty="0"/>
+              <a:t>＞</a:t>
+            </a:r>
+            <a:r>
+              <a:rPr kumimoji="1" lang="en-US" altLang="ja-JP" dirty="0"/>
+              <a:t>Add Selection as Target</a:t>
+            </a:r>
             <a:endParaRPr kumimoji="1" lang="ja-JP" altLang="en-US" dirty="0"/>
           </a:p>
         </p:txBody>
@@ -9221,7 +9938,7 @@
           <p:cNvPr id="4" name="Slide Number Placeholder 3">
             <a:extLst>
               <a:ext uri="{FF2B5EF4-FFF2-40B4-BE49-F238E27FC236}">
-                <a16:creationId xmlns:a16="http://schemas.microsoft.com/office/drawing/2014/main" id="{A1517517-C4F9-49CF-94A1-2A314F9B6F75}"/>
+                <a16:creationId xmlns:a16="http://schemas.microsoft.com/office/drawing/2014/main" id="{42662A4E-E448-4152-89D3-5DE959D91E44}"/>
               </a:ext>
             </a:extLst>
           </p:cNvPr>
@@ -9250,7 +9967,7 @@
           <p:cNvPr id="5" name="Footer Placeholder 4">
             <a:extLst>
               <a:ext uri="{FF2B5EF4-FFF2-40B4-BE49-F238E27FC236}">
-                <a16:creationId xmlns:a16="http://schemas.microsoft.com/office/drawing/2014/main" id="{E1449247-FC86-4C4D-8B8D-BC6350C3A7B5}"/>
+                <a16:creationId xmlns:a16="http://schemas.microsoft.com/office/drawing/2014/main" id="{1B3A0ED8-2183-4C55-B9BD-FD072E54F02E}"/>
               </a:ext>
             </a:extLst>
           </p:cNvPr>
@@ -9277,7 +9994,7 @@
     </p:spTree>
     <p:extLst>
       <p:ext uri="{BB962C8B-B14F-4D97-AF65-F5344CB8AC3E}">
-        <p14:creationId xmlns:p14="http://schemas.microsoft.com/office/powerpoint/2010/main" val="1139230346"/>
+        <p14:creationId xmlns:p14="http://schemas.microsoft.com/office/powerpoint/2010/main" val="565503449"/>
       </p:ext>
     </p:extLst>
   </p:cSld>
@@ -9309,6 +10026,202 @@
           <p:cNvPr id="2" name="Title 1">
             <a:extLst>
               <a:ext uri="{FF2B5EF4-FFF2-40B4-BE49-F238E27FC236}">
+                <a16:creationId xmlns:a16="http://schemas.microsoft.com/office/drawing/2014/main" id="{31A60960-1EBC-471E-B489-7EFB049DA1AA}"/>
+              </a:ext>
+            </a:extLst>
+          </p:cNvPr>
+          <p:cNvSpPr>
+            <a:spLocks noGrp="1"/>
+          </p:cNvSpPr>
+          <p:nvPr>
+            <p:ph type="title"/>
+          </p:nvPr>
+        </p:nvSpPr>
+        <p:spPr/>
+        <p:txBody>
+          <a:bodyPr/>
+          <a:lstStyle/>
+          <a:p>
+            <a:r>
+              <a:rPr kumimoji="1" lang="ja-JP" altLang="en-US" dirty="0"/>
+              <a:t>デフォーマー</a:t>
+            </a:r>
+          </a:p>
+        </p:txBody>
+      </p:sp>
+      <p:sp>
+        <p:nvSpPr>
+          <p:cNvPr id="3" name="Content Placeholder 2">
+            <a:extLst>
+              <a:ext uri="{FF2B5EF4-FFF2-40B4-BE49-F238E27FC236}">
+                <a16:creationId xmlns:a16="http://schemas.microsoft.com/office/drawing/2014/main" id="{732A3EFA-A4C9-4E97-92C2-68433FA5AC8A}"/>
+              </a:ext>
+            </a:extLst>
+          </p:cNvPr>
+          <p:cNvSpPr>
+            <a:spLocks noGrp="1"/>
+          </p:cNvSpPr>
+          <p:nvPr>
+            <p:ph idx="1"/>
+          </p:nvPr>
+        </p:nvSpPr>
+        <p:spPr/>
+        <p:txBody>
+          <a:bodyPr/>
+          <a:lstStyle/>
+          <a:p>
+            <a:r>
+              <a:rPr kumimoji="1" lang="ja-JP" altLang="en-US" dirty="0"/>
+              <a:t>映像のセカンダリアニメーションに使われる</a:t>
+            </a:r>
+            <a:endParaRPr kumimoji="1" lang="en-US" altLang="ja-JP" dirty="0"/>
+          </a:p>
+          <a:p>
+            <a:r>
+              <a:rPr lang="ja-JP" altLang="en-US" dirty="0"/>
+              <a:t>モデリングにも便利</a:t>
+            </a:r>
+            <a:endParaRPr kumimoji="1" lang="en-US" altLang="ja-JP" dirty="0"/>
+          </a:p>
+          <a:p>
+            <a:r>
+              <a:rPr kumimoji="1" lang="ja-JP" altLang="en-US" dirty="0"/>
+              <a:t>ラティス</a:t>
+            </a:r>
+            <a:endParaRPr kumimoji="1" lang="en-US" altLang="ja-JP" dirty="0"/>
+          </a:p>
+          <a:p>
+            <a:pPr lvl="1"/>
+            <a:r>
+              <a:rPr kumimoji="1" lang="en-US" altLang="ja-JP" dirty="0"/>
+              <a:t>lattice  -divisions 2 2 2 -</a:t>
+            </a:r>
+            <a:r>
+              <a:rPr kumimoji="1" lang="en-US" altLang="ja-JP" dirty="0" err="1"/>
+              <a:t>objectCentered</a:t>
+            </a:r>
+            <a:r>
+              <a:rPr kumimoji="1" lang="en-US" altLang="ja-JP" dirty="0"/>
+              <a:t> true  -</a:t>
+            </a:r>
+            <a:r>
+              <a:rPr kumimoji="1" lang="en-US" altLang="ja-JP" dirty="0" err="1"/>
+              <a:t>ldv</a:t>
+            </a:r>
+            <a:r>
+              <a:rPr kumimoji="1" lang="en-US" altLang="ja-JP" dirty="0"/>
+              <a:t> 2 2 2;</a:t>
+            </a:r>
+            <a:endParaRPr lang="en-US" altLang="ja-JP" dirty="0"/>
+          </a:p>
+          <a:p>
+            <a:r>
+              <a:rPr kumimoji="1" lang="ja-JP" altLang="en-US" dirty="0"/>
+              <a:t>シュリンクラップ</a:t>
+            </a:r>
+            <a:endParaRPr kumimoji="1" lang="en-US" altLang="ja-JP" dirty="0"/>
+          </a:p>
+          <a:p>
+            <a:endParaRPr lang="en-US" altLang="ja-JP" dirty="0"/>
+          </a:p>
+          <a:p>
+            <a:endParaRPr kumimoji="1" lang="ja-JP" altLang="en-US" dirty="0"/>
+          </a:p>
+        </p:txBody>
+      </p:sp>
+      <p:sp>
+        <p:nvSpPr>
+          <p:cNvPr id="4" name="Footer Placeholder 3">
+            <a:extLst>
+              <a:ext uri="{FF2B5EF4-FFF2-40B4-BE49-F238E27FC236}">
+                <a16:creationId xmlns:a16="http://schemas.microsoft.com/office/drawing/2014/main" id="{4856EE80-DC57-41AE-809E-98C8A56BA1C8}"/>
+              </a:ext>
+            </a:extLst>
+          </p:cNvPr>
+          <p:cNvSpPr>
+            <a:spLocks noGrp="1"/>
+          </p:cNvSpPr>
+          <p:nvPr>
+            <p:ph type="ftr" sz="quarter" idx="11"/>
+          </p:nvPr>
+        </p:nvSpPr>
+        <p:spPr/>
+        <p:txBody>
+          <a:bodyPr/>
+          <a:lstStyle/>
+          <a:p>
+            <a:r>
+              <a:rPr kumimoji="1" lang="fi-FI" altLang="ja-JP" dirty="0"/>
+              <a:t>© 2021 Nishikawa   Web:https://harkerhack.com/</a:t>
+            </a:r>
+            <a:endParaRPr kumimoji="1" lang="ja-JP" altLang="en-US" dirty="0"/>
+          </a:p>
+        </p:txBody>
+      </p:sp>
+      <p:sp>
+        <p:nvSpPr>
+          <p:cNvPr id="5" name="Slide Number Placeholder 4">
+            <a:extLst>
+              <a:ext uri="{FF2B5EF4-FFF2-40B4-BE49-F238E27FC236}">
+                <a16:creationId xmlns:a16="http://schemas.microsoft.com/office/drawing/2014/main" id="{17FF4BC5-3D66-4377-BA32-C90D44EA4C1E}"/>
+              </a:ext>
+            </a:extLst>
+          </p:cNvPr>
+          <p:cNvSpPr>
+            <a:spLocks noGrp="1"/>
+          </p:cNvSpPr>
+          <p:nvPr>
+            <p:ph type="sldNum" sz="quarter" idx="12"/>
+          </p:nvPr>
+        </p:nvSpPr>
+        <p:spPr/>
+        <p:txBody>
+          <a:bodyPr/>
+          <a:lstStyle/>
+          <a:p>
+            <a:fld id="{91512E4F-4AC8-432B-8AD7-25FC6E577C8A}" type="slidenum">
+              <a:rPr kumimoji="1" lang="ja-JP" altLang="en-US" smtClean="0"/>
+              <a:t>8</a:t>
+            </a:fld>
+            <a:endParaRPr kumimoji="1" lang="ja-JP" altLang="en-US"/>
+          </a:p>
+        </p:txBody>
+      </p:sp>
+    </p:spTree>
+    <p:extLst>
+      <p:ext uri="{BB962C8B-B14F-4D97-AF65-F5344CB8AC3E}">
+        <p14:creationId xmlns:p14="http://schemas.microsoft.com/office/powerpoint/2010/main" val="411010882"/>
+      </p:ext>
+    </p:extLst>
+  </p:cSld>
+  <p:clrMapOvr>
+    <a:masterClrMapping/>
+  </p:clrMapOvr>
+</p:sld>
+</file>
+
+<file path=ppt/slides/slide9.xml><?xml version="1.0" encoding="utf-8"?>
+<p:sld xmlns:a="http://schemas.openxmlformats.org/drawingml/2006/main" xmlns:r="http://schemas.openxmlformats.org/officeDocument/2006/relationships" xmlns:p="http://schemas.openxmlformats.org/presentationml/2006/main">
+  <p:cSld>
+    <p:spTree>
+      <p:nvGrpSpPr>
+        <p:cNvPr id="1" name=""/>
+        <p:cNvGrpSpPr/>
+        <p:nvPr/>
+      </p:nvGrpSpPr>
+      <p:grpSpPr>
+        <a:xfrm>
+          <a:off x="0" y="0"/>
+          <a:ext cx="0" cy="0"/>
+          <a:chOff x="0" y="0"/>
+          <a:chExt cx="0" cy="0"/>
+        </a:xfrm>
+      </p:grpSpPr>
+      <p:sp>
+        <p:nvSpPr>
+          <p:cNvPr id="2" name="Title 1">
+            <a:extLst>
+              <a:ext uri="{FF2B5EF4-FFF2-40B4-BE49-F238E27FC236}">
                 <a16:creationId xmlns:a16="http://schemas.microsoft.com/office/drawing/2014/main" id="{5DD1077D-3EE5-42AF-9021-DDF145A6AD5F}"/>
               </a:ext>
             </a:extLst>
@@ -9409,7 +10322,7 @@
           <a:p>
             <a:fld id="{91512E4F-4AC8-432B-8AD7-25FC6E577C8A}" type="slidenum">
               <a:rPr kumimoji="1" lang="ja-JP" altLang="en-US" smtClean="0"/>
-              <a:t>8</a:t>
+              <a:t>9</a:t>
             </a:fld>
             <a:endParaRPr kumimoji="1" lang="ja-JP" altLang="en-US"/>
           </a:p>
